--- a/SDPi_Supplement/sources/vol1-diagram-use-case-stad-tech-view.pptx
+++ b/SDPi_Supplement/sources/vol1-diagram-use-case-stad-tech-view.pptx
@@ -246,7 +246,7 @@
       <p15:sldGuideLst xmlns:p15="http://schemas.microsoft.com/office/powerpoint/2012/main"/>
     </p:ext>
     <p:ext uri="http://customooxmlschemas.google.com/">
-      <go:slidesCustomData xmlns="" xmlns:mc="http://schemas.openxmlformats.org/markup-compatibility/2006" xmlns:mv="urn:schemas-microsoft-com:mac:vml" xmlns:c="http://schemas.openxmlformats.org/drawingml/2006/chart" xmlns:dgm="http://schemas.openxmlformats.org/drawingml/2006/diagram" xmlns:o="urn:schemas-microsoft-com:office:office" xmlns:v="urn:schemas-microsoft-com:vml" xmlns:pvml="urn:schemas-microsoft-com:office:powerpoint" xmlns:com="http://schemas.openxmlformats.org/drawingml/2006/compatibility" xmlns:p14="http://schemas.microsoft.com/office/powerpoint/2010/main" xmlns:p15="http://schemas.microsoft.com/office/powerpoint/2012/main" xmlns:ahyp="http://schemas.microsoft.com/office/drawing/2018/hyperlinkcolor" xmlns:go="http://customooxmlschemas.google.com/" r:id="rId21" roundtripDataSignature="AMtx7mioXqX06bVoM2NZpyvmQ4oN2c7f2Q=="/>
+      <go:slidesCustomData xmlns:go="http://customooxmlschemas.google.com/" xmlns:ahyp="http://schemas.microsoft.com/office/drawing/2018/hyperlinkcolor" xmlns:p15="http://schemas.microsoft.com/office/powerpoint/2012/main" xmlns:p14="http://schemas.microsoft.com/office/powerpoint/2010/main" xmlns:com="http://schemas.openxmlformats.org/drawingml/2006/compatibility" xmlns:pvml="urn:schemas-microsoft-com:office:powerpoint" xmlns:v="urn:schemas-microsoft-com:vml" xmlns:o="urn:schemas-microsoft-com:office:office" xmlns:dgm="http://schemas.openxmlformats.org/drawingml/2006/diagram" xmlns:c="http://schemas.openxmlformats.org/drawingml/2006/chart" xmlns:mv="urn:schemas-microsoft-com:mac:vml" xmlns:mc="http://schemas.openxmlformats.org/markup-compatibility/2006" xmlns="" r:id="rId21" roundtripDataSignature="AMtx7mioXqX06bVoM2NZpyvmQ4oN2c7f2Q=="/>
     </p:ext>
   </p:extLst>
 </p:presentation>
@@ -10190,7 +10190,7 @@
 </file>
 
 <file path=ppt/slides/slide1.xml><?xml version="1.0" encoding="utf-8"?>
-<p:sld xmlns:a="http://schemas.openxmlformats.org/drawingml/2006/main" xmlns:r="http://schemas.openxmlformats.org/officeDocument/2006/relationships" xmlns:p="http://schemas.openxmlformats.org/presentationml/2006/main">
+<p:sld xmlns:a="http://schemas.openxmlformats.org/drawingml/2006/main" xmlns:r="http://schemas.openxmlformats.org/officeDocument/2006/relationships" xmlns:p="http://schemas.openxmlformats.org/presentationml/2006/main" showMasterSp="0">
   <p:cSld>
     <p:spTree>
       <p:nvGrpSpPr>
@@ -11050,58 +11050,6 @@
           <a:noFill/>
           <a:ln>
             <a:prstDash val="dash"/>
-          </a:ln>
-        </p:spPr>
-        <p:style>
-          <a:lnRef idx="2">
-            <a:schemeClr val="accent1">
-              <a:shade val="50000"/>
-            </a:schemeClr>
-          </a:lnRef>
-          <a:fillRef idx="1">
-            <a:schemeClr val="accent1"/>
-          </a:fillRef>
-          <a:effectRef idx="0">
-            <a:schemeClr val="accent1"/>
-          </a:effectRef>
-          <a:fontRef idx="minor">
-            <a:schemeClr val="lt1"/>
-          </a:fontRef>
-        </p:style>
-        <p:txBody>
-          <a:bodyPr rtlCol="0" anchor="ctr"/>
-          <a:lstStyle/>
-          <a:p>
-            <a:pPr algn="ctr"/>
-            <a:endParaRPr lang="en-US"/>
-          </a:p>
-        </p:txBody>
-      </p:sp>
-      <p:sp>
-        <p:nvSpPr>
-          <p:cNvPr id="20" name="Rectangle 19">
-            <a:extLst>
-              <a:ext uri="{FF2B5EF4-FFF2-40B4-BE49-F238E27FC236}">
-                <a16:creationId xmlns:a16="http://schemas.microsoft.com/office/drawing/2014/main" id="{E6FA68CF-7434-8A48-FE35-E12BB9809A77}"/>
-              </a:ext>
-            </a:extLst>
-          </p:cNvPr>
-          <p:cNvSpPr/>
-          <p:nvPr/>
-        </p:nvSpPr>
-        <p:spPr>
-          <a:xfrm>
-            <a:off x="0" y="-11151"/>
-            <a:ext cx="838200" cy="365125"/>
-          </a:xfrm>
-          <a:prstGeom prst="rect">
-            <a:avLst/>
-          </a:prstGeom>
-          <a:solidFill>
-            <a:schemeClr val="bg1"/>
-          </a:solidFill>
-          <a:ln>
-            <a:noFill/>
           </a:ln>
         </p:spPr>
         <p:style>

--- a/SDPi_Supplement/sources/vol1-diagram-use-case-stad-tech-view.pptx
+++ b/SDPi_Supplement/sources/vol1-diagram-use-case-stad-tech-view.pptx
@@ -10300,7 +10300,7 @@
             </a:pPr>
             <a:r>
               <a:rPr lang="en-US" dirty="0"/>
-              <a:t>NTP</a:t>
+              <a:t>Time Source</a:t>
             </a:r>
             <a:br>
               <a:rPr lang="en-US" dirty="0"/>
@@ -10615,7 +10615,7 @@
                 <a:cs typeface="Calibri"/>
                 <a:sym typeface="Calibri"/>
               </a:rPr>
-              <a:t>SDC LAN</a:t>
+              <a:t>MD LAN</a:t>
             </a:r>
             <a:endParaRPr dirty="0"/>
           </a:p>
